--- a/others/imbalance_data_by_smote/fps_ibd_20200825.pptx
+++ b/others/imbalance_data_by_smote/fps_ibd_20200825.pptx
@@ -7966,7 +7966,7 @@
         <p:spPr>
           <a:xfrm>
             <a:off x="838199" y="1557867"/>
-            <a:ext cx="10608733" cy="2031325"/>
+            <a:ext cx="10608733" cy="2308324"/>
           </a:xfrm>
           <a:prstGeom prst="rect">
             <a:avLst/>
@@ -8026,6 +8026,16 @@
             <a:r>
               <a:rPr lang="en-US" altLang="zh-TW" dirty="0"/>
               <a:t> Error analysis can be helpful too to know the propensity of FP and FN and find out some possible random/system errors (wrong labeling)</a:t>
+            </a:r>
+          </a:p>
+          <a:p>
+            <a:pPr marL="285750" indent="-285750" algn="l">
+              <a:buFont typeface="Wingdings" panose="05000000000000000000" pitchFamily="2" charset="2"/>
+              <a:buChar char="ü"/>
+            </a:pPr>
+            <a:r>
+              <a:rPr lang="en-US" altLang="zh-TW" dirty="0"/>
+              <a:t>A powerful model can some how more have more impact on the performance significantly and efficiently.</a:t>
             </a:r>
           </a:p>
           <a:p>
